--- a/editions/cpi17/yarp.pptx
+++ b/editions/cpi17/yarp.pptx
@@ -243,7 +243,7 @@
           <a:p>
             <a:fld id="{24CE221E-83ED-4F6C-BA5F-3F9E6FDB6953}" type="datetimeFigureOut">
               <a:rPr lang="en-US"/>
-              <a:t>23-Jul-17</a:t>
+              <a:t>08-Nov-17</a:t>
             </a:fld>
             <a:endParaRPr/>
           </a:p>
@@ -408,7 +408,7 @@
           <a:p>
             <a:fld id="{97853E5F-CE67-483C-A264-F17AC70E9CA2}" type="datetimeFigureOut">
               <a:rPr lang="en-US"/>
-              <a:t>23-Jul-17</a:t>
+              <a:t>08-Nov-17</a:t>
             </a:fld>
             <a:endParaRPr/>
           </a:p>
@@ -1409,7 +1409,7 @@
           <a:p>
             <a:fld id="{3E0FA9E5-6744-4841-888F-9E7CC0C2B7EC}" type="datetimeFigureOut">
               <a:rPr lang="en-US"/>
-              <a:t>23-Jul-17</a:t>
+              <a:t>08-Nov-17</a:t>
             </a:fld>
             <a:endParaRPr/>
           </a:p>
@@ -1595,7 +1595,7 @@
           <a:p>
             <a:fld id="{3E0FA9E5-6744-4841-888F-9E7CC0C2B7EC}" type="datetimeFigureOut">
               <a:rPr lang="en-US"/>
-              <a:t>23-Jul-17</a:t>
+              <a:t>08-Nov-17</a:t>
             </a:fld>
             <a:endParaRPr/>
           </a:p>
@@ -1791,7 +1791,7 @@
           <a:p>
             <a:fld id="{3E0FA9E5-6744-4841-888F-9E7CC0C2B7EC}" type="datetimeFigureOut">
               <a:rPr lang="en-US"/>
-              <a:t>23-Jul-17</a:t>
+              <a:t>08-Nov-17</a:t>
             </a:fld>
             <a:endParaRPr/>
           </a:p>
@@ -1977,7 +1977,7 @@
           <a:p>
             <a:fld id="{3E0FA9E5-6744-4841-888F-9E7CC0C2B7EC}" type="datetimeFigureOut">
               <a:rPr lang="en-US"/>
-              <a:t>23-Jul-17</a:t>
+              <a:t>08-Nov-17</a:t>
             </a:fld>
             <a:endParaRPr/>
           </a:p>
@@ -2261,7 +2261,7 @@
           <a:p>
             <a:fld id="{3E0FA9E5-6744-4841-888F-9E7CC0C2B7EC}" type="datetimeFigureOut">
               <a:rPr lang="en-US"/>
-              <a:t>23-Jul-17</a:t>
+              <a:t>08-Nov-17</a:t>
             </a:fld>
             <a:endParaRPr/>
           </a:p>
@@ -2569,7 +2569,7 @@
           <a:p>
             <a:fld id="{3E0FA9E5-6744-4841-888F-9E7CC0C2B7EC}" type="datetimeFigureOut">
               <a:rPr lang="en-US"/>
-              <a:t>23-Jul-17</a:t>
+              <a:t>08-Nov-17</a:t>
             </a:fld>
             <a:endParaRPr/>
           </a:p>
@@ -3021,7 +3021,7 @@
           <a:p>
             <a:fld id="{3E0FA9E5-6744-4841-888F-9E7CC0C2B7EC}" type="datetimeFigureOut">
               <a:rPr lang="en-US"/>
-              <a:t>23-Jul-17</a:t>
+              <a:t>08-Nov-17</a:t>
             </a:fld>
             <a:endParaRPr/>
           </a:p>
@@ -3155,7 +3155,7 @@
           <a:p>
             <a:fld id="{3E0FA9E5-6744-4841-888F-9E7CC0C2B7EC}" type="datetimeFigureOut">
               <a:rPr lang="en-US"/>
-              <a:t>23-Jul-17</a:t>
+              <a:t>08-Nov-17</a:t>
             </a:fld>
             <a:endParaRPr/>
           </a:p>
@@ -3280,7 +3280,7 @@
           <a:p>
             <a:fld id="{3E0FA9E5-6744-4841-888F-9E7CC0C2B7EC}" type="datetimeFigureOut">
               <a:rPr lang="en-US"/>
-              <a:t>23-Jul-17</a:t>
+              <a:t>08-Nov-17</a:t>
             </a:fld>
             <a:endParaRPr/>
           </a:p>
@@ -3606,7 +3606,7 @@
           <a:p>
             <a:fld id="{3E0FA9E5-6744-4841-888F-9E7CC0C2B7EC}" type="datetimeFigureOut">
               <a:rPr lang="en-US"/>
-              <a:t>23-Jul-17</a:t>
+              <a:t>08-Nov-17</a:t>
             </a:fld>
             <a:endParaRPr/>
           </a:p>
@@ -4103,7 +4103,7 @@
             <a:fld id="{3E0FA9E5-6744-4841-888F-9E7CC0C2B7EC}" type="datetimeFigureOut">
               <a:rPr lang="en-US" smtClean="0"/>
               <a:pPr/>
-              <a:t>23-Jul-17</a:t>
+              <a:t>08-Nov-17</a:t>
             </a:fld>
             <a:endParaRPr lang="en-US" dirty="0"/>
           </a:p>
@@ -7940,7 +7940,11 @@
             </a:pPr>
             <a:r>
               <a:rPr lang="en-US" dirty="0" smtClean="0"/>
-              <a:t>Constrains:</a:t>
+              <a:t>Constraints</a:t>
+            </a:r>
+            <a:r>
+              <a:rPr lang="en-US" dirty="0" smtClean="0"/>
+              <a:t>:</a:t>
             </a:r>
           </a:p>
           <a:p>
@@ -8775,10 +8779,6 @@
               </a:rPr>
               <a:t>();</a:t>
             </a:r>
-            <a:endParaRPr lang="en-US" sz="1600" dirty="0" smtClean="0">
-              <a:latin typeface="Courier New" panose="02070309020205020404" pitchFamily="49" charset="0"/>
-              <a:cs typeface="Courier New" panose="02070309020205020404" pitchFamily="49" charset="0"/>
-            </a:endParaRPr>
           </a:p>
           <a:p>
             <a:pPr marL="45720" indent="0">
@@ -30748,15 +30748,6 @@
 </file>
 
 <file path=customXml/item1.xml><?xml version="1.0" encoding="utf-8"?>
-<?mso-contentType ?>
-<FormTemplates xmlns="http://schemas.microsoft.com/sharepoint/v3/contenttype/forms">
-  <Display>DocumentLibraryForm</Display>
-  <Edit>DocumentLibraryForm</Edit>
-  <New>DocumentLibraryForm</New>
-</FormTemplates>
-</file>
-
-<file path=customXml/item2.xml><?xml version="1.0" encoding="utf-8"?>
 <p:properties xmlns:p="http://schemas.microsoft.com/office/2006/metadata/properties" xmlns:xsi="http://www.w3.org/2001/XMLSchema-instance" xmlns:pc="http://schemas.microsoft.com/office/infopath/2007/PartnerControls">
   <documentManagement>
     <VSO_x0020_item_x0020_id xmlns="40262f94-9f35-4ac3-9a90-690165a166b7" xsi:nil="true"/>
@@ -30765,6 +30756,15 @@
     <Template_x0020_details xmlns="40262f94-9f35-4ac3-9a90-690165a166b7" xsi:nil="true"/>
   </documentManagement>
 </p:properties>
+</file>
+
+<file path=customXml/item2.xml><?xml version="1.0" encoding="utf-8"?>
+<?mso-contentType ?>
+<FormTemplates xmlns="http://schemas.microsoft.com/sharepoint/v3/contenttype/forms">
+  <Display>DocumentLibraryForm</Display>
+  <Edit>DocumentLibraryForm</Edit>
+  <New>DocumentLibraryForm</New>
+</FormTemplates>
 </file>
 
 <file path=customXml/item3.xml><?xml version="1.0" encoding="utf-8"?>
@@ -30949,14 +30949,6 @@
 </file>
 
 <file path=customXml/itemProps1.xml><?xml version="1.0" encoding="utf-8"?>
-<ds:datastoreItem xmlns:ds="http://schemas.openxmlformats.org/officeDocument/2006/customXml" ds:itemID="{02F2BE50-DDB3-465B-A26E-975A276D4362}">
-  <ds:schemaRefs>
-    <ds:schemaRef ds:uri="http://schemas.microsoft.com/sharepoint/v3/contenttype/forms"/>
-  </ds:schemaRefs>
-</ds:datastoreItem>
-</file>
-
-<file path=customXml/itemProps2.xml><?xml version="1.0" encoding="utf-8"?>
 <ds:datastoreItem xmlns:ds="http://schemas.openxmlformats.org/officeDocument/2006/customXml" ds:itemID="{99220E13-D325-4A9E-AA7A-0D1409275EB9}">
   <ds:schemaRefs>
     <ds:schemaRef ds:uri="http://purl.org/dc/terms/"/>
@@ -30969,6 +30961,14 @@
     <ds:schemaRef ds:uri="40262f94-9f35-4ac3-9a90-690165a166b7"/>
     <ds:schemaRef ds:uri="a4f35948-e619-41b3-aa29-22878b09cfd2"/>
     <ds:schemaRef ds:uri="http://www.w3.org/XML/1998/namespace"/>
+  </ds:schemaRefs>
+</ds:datastoreItem>
+</file>
+
+<file path=customXml/itemProps2.xml><?xml version="1.0" encoding="utf-8"?>
+<ds:datastoreItem xmlns:ds="http://schemas.openxmlformats.org/officeDocument/2006/customXml" ds:itemID="{02F2BE50-DDB3-465B-A26E-975A276D4362}">
+  <ds:schemaRefs>
+    <ds:schemaRef ds:uri="http://schemas.microsoft.com/sharepoint/v3/contenttype/forms"/>
   </ds:schemaRefs>
 </ds:datastoreItem>
 </file>
